--- a/others/final-presentation.pptx
+++ b/others/final-presentation.pptx
@@ -17421,7 +17421,6 @@
                   <a:schemeClr val="tx1"/>
                 </a:solidFill>
                 <a:effectLst/>
-                <a:latin typeface="Roboto" panose="02000000000000000000" pitchFamily="2" charset="0"/>
                 <a:ea typeface="Roboto" panose="02000000000000000000" pitchFamily="2" charset="0"/>
                 <a:cs typeface="Roboto" panose="02000000000000000000" pitchFamily="2" charset="0"/>
               </a:rPr>
@@ -17432,7 +17431,6 @@
                 <a:solidFill>
                   <a:schemeClr val="tx1"/>
                 </a:solidFill>
-                <a:latin typeface="Roboto" panose="02000000000000000000" pitchFamily="2" charset="0"/>
                 <a:ea typeface="Roboto" panose="02000000000000000000" pitchFamily="2" charset="0"/>
                 <a:cs typeface="Roboto" panose="02000000000000000000" pitchFamily="2" charset="0"/>
               </a:rPr>
@@ -17443,7 +17441,6 @@
                 <a:solidFill>
                   <a:schemeClr val="tx1"/>
                 </a:solidFill>
-                <a:latin typeface="Roboto" panose="02000000000000000000" pitchFamily="2" charset="0"/>
                 <a:ea typeface="Roboto" panose="02000000000000000000" pitchFamily="2" charset="0"/>
                 <a:cs typeface="Roboto" panose="02000000000000000000" pitchFamily="2" charset="0"/>
               </a:rPr>
@@ -17453,7 +17450,6 @@
                 <a:solidFill>
                   <a:schemeClr val="tx1"/>
                 </a:solidFill>
-                <a:latin typeface="Roboto" panose="02000000000000000000" pitchFamily="2" charset="0"/>
                 <a:ea typeface="Roboto" panose="02000000000000000000" pitchFamily="2" charset="0"/>
                 <a:cs typeface="Roboto" panose="02000000000000000000" pitchFamily="2" charset="0"/>
               </a:rPr>
@@ -17464,7 +17460,6 @@
                 <a:solidFill>
                   <a:schemeClr val="tx1"/>
                 </a:solidFill>
-                <a:latin typeface="Roboto" panose="02000000000000000000" pitchFamily="2" charset="0"/>
                 <a:ea typeface="Roboto" panose="02000000000000000000" pitchFamily="2" charset="0"/>
                 <a:cs typeface="Roboto" panose="02000000000000000000" pitchFamily="2" charset="0"/>
               </a:rPr>
@@ -17474,7 +17469,6 @@
                 <a:solidFill>
                   <a:schemeClr val="tx1"/>
                 </a:solidFill>
-                <a:latin typeface="Roboto" panose="02000000000000000000" pitchFamily="2" charset="0"/>
                 <a:ea typeface="Roboto" panose="02000000000000000000" pitchFamily="2" charset="0"/>
                 <a:cs typeface="Roboto" panose="02000000000000000000" pitchFamily="2" charset="0"/>
               </a:rPr>
@@ -17485,7 +17479,6 @@
                 <a:solidFill>
                   <a:schemeClr val="tx1"/>
                 </a:solidFill>
-                <a:latin typeface="Roboto" panose="02000000000000000000" pitchFamily="2" charset="0"/>
                 <a:ea typeface="Roboto" panose="02000000000000000000" pitchFamily="2" charset="0"/>
                 <a:cs typeface="Roboto" panose="02000000000000000000" pitchFamily="2" charset="0"/>
               </a:rPr>
@@ -17496,7 +17489,6 @@
                 <a:solidFill>
                   <a:schemeClr val="tx1"/>
                 </a:solidFill>
-                <a:latin typeface="Roboto" panose="02000000000000000000" pitchFamily="2" charset="0"/>
                 <a:ea typeface="Roboto" panose="02000000000000000000" pitchFamily="2" charset="0"/>
                 <a:cs typeface="Roboto" panose="02000000000000000000" pitchFamily="2" charset="0"/>
               </a:rPr>
@@ -17507,7 +17499,6 @@
                 <a:solidFill>
                   <a:schemeClr val="tx1"/>
                 </a:solidFill>
-                <a:latin typeface="Roboto" panose="02000000000000000000" pitchFamily="2" charset="0"/>
                 <a:ea typeface="Roboto" panose="02000000000000000000" pitchFamily="2" charset="0"/>
                 <a:cs typeface="Roboto" panose="02000000000000000000" pitchFamily="2" charset="0"/>
               </a:rPr>
@@ -17518,7 +17509,6 @@
                   <a:schemeClr val="tx1"/>
                 </a:solidFill>
                 <a:effectLst/>
-                <a:latin typeface="Roboto" panose="02000000000000000000" pitchFamily="2" charset="0"/>
                 <a:ea typeface="Roboto" panose="02000000000000000000" pitchFamily="2" charset="0"/>
                 <a:cs typeface="Roboto" panose="02000000000000000000" pitchFamily="2" charset="0"/>
               </a:rPr>
@@ -17530,7 +17520,6 @@
                   <a:schemeClr val="tx1"/>
                 </a:solidFill>
                 <a:effectLst/>
-                <a:latin typeface="Roboto" panose="02000000000000000000" pitchFamily="2" charset="0"/>
                 <a:ea typeface="Roboto" panose="02000000000000000000" pitchFamily="2" charset="0"/>
                 <a:cs typeface="Roboto" panose="02000000000000000000" pitchFamily="2" charset="0"/>
               </a:rPr>
@@ -17542,7 +17531,6 @@
                   <a:schemeClr val="tx1"/>
                 </a:solidFill>
                 <a:effectLst/>
-                <a:latin typeface="Roboto" panose="02000000000000000000" pitchFamily="2" charset="0"/>
                 <a:ea typeface="Roboto" panose="02000000000000000000" pitchFamily="2" charset="0"/>
                 <a:cs typeface="Roboto" panose="02000000000000000000" pitchFamily="2" charset="0"/>
               </a:rPr>
@@ -17553,7 +17541,6 @@
                   <a:schemeClr val="tx1"/>
                 </a:solidFill>
                 <a:effectLst/>
-                <a:latin typeface="Roboto" panose="02000000000000000000" pitchFamily="2" charset="0"/>
                 <a:ea typeface="Roboto" panose="02000000000000000000" pitchFamily="2" charset="0"/>
                 <a:cs typeface="Roboto" panose="02000000000000000000" pitchFamily="2" charset="0"/>
               </a:rPr>
@@ -17614,7 +17601,7 @@
         </p:blipFill>
         <p:spPr bwMode="auto">
           <a:xfrm flipH="1">
-            <a:off x="0" y="4809007"/>
+            <a:off x="4973383" y="4569579"/>
             <a:ext cx="2334881" cy="2075450"/>
           </a:xfrm>
           <a:prstGeom prst="rect">
@@ -17647,7 +17634,7 @@
         <p:spPr>
           <a:xfrm>
             <a:off x="8139528" y="1671288"/>
-            <a:ext cx="3886200" cy="1477328"/>
+            <a:ext cx="3886200" cy="1785104"/>
           </a:xfrm>
           <a:prstGeom prst="rect">
             <a:avLst/>
@@ -17662,18 +17649,16 @@
           <a:p>
             <a:pPr lvl="1" algn="r"/>
             <a:r>
-              <a:rPr lang="en-US" b="1" dirty="0">
-                <a:latin typeface="Roboto" panose="020F0502020204030204" pitchFamily="2" charset="0"/>
-              </a:rPr>
+              <a:rPr lang="en-US" sz="3600" b="1" dirty="0"/>
               <a:t>CSE440</a:t>
             </a:r>
+            <a:endParaRPr lang="en-US" b="1" dirty="0"/>
           </a:p>
           <a:p>
             <a:pPr lvl="1" algn="r"/>
             <a:r>
               <a:rPr lang="en-US" b="1" i="0" dirty="0">
                 <a:effectLst/>
-                <a:latin typeface="Roboto" panose="020F0502020204030204" pitchFamily="2" charset="0"/>
               </a:rPr>
               <a:t>Section 1</a:t>
             </a:r>
@@ -17681,11 +17666,16 @@
           <a:p>
             <a:pPr lvl="1" algn="r"/>
             <a:r>
+              <a:rPr lang="en-US" sz="2000" b="1" i="0" u="sng" dirty="0">
+                <a:effectLst/>
+              </a:rPr>
+              <a:t>Supervisor</a:t>
+            </a:r>
+            <a:r>
               <a:rPr lang="en-US" b="1" i="0" u="sng" dirty="0">
                 <a:effectLst/>
-                <a:latin typeface="Roboto" panose="020F0502020204030204" pitchFamily="2" charset="0"/>
               </a:rPr>
-              <a:t>Presented to: </a:t>
+              <a:t>: </a:t>
             </a:r>
           </a:p>
           <a:p>
@@ -17693,35 +17683,30 @@
             <a:r>
               <a:rPr lang="en-US" b="1" i="0" dirty="0">
                 <a:effectLst/>
-                <a:latin typeface="Roboto" panose="020F0502020204030204" pitchFamily="2" charset="0"/>
               </a:rPr>
               <a:t>Mohammad </a:t>
             </a:r>
             <a:r>
               <a:rPr lang="en-US" b="1" i="0" dirty="0" err="1">
                 <a:effectLst/>
-                <a:latin typeface="Roboto" panose="020F0502020204030204" pitchFamily="2" charset="0"/>
               </a:rPr>
               <a:t>Shifat</a:t>
             </a:r>
             <a:r>
               <a:rPr lang="en-US" b="1" i="0" dirty="0">
                 <a:effectLst/>
-                <a:latin typeface="Roboto" panose="020F0502020204030204" pitchFamily="2" charset="0"/>
               </a:rPr>
-              <a:t>-E-Rabb (</a:t>
+              <a:t>-E-Rabbi (</a:t>
             </a:r>
             <a:r>
               <a:rPr lang="en-US" b="1" i="0" dirty="0" err="1">
                 <a:effectLst/>
-                <a:latin typeface="Roboto" panose="020F0502020204030204" pitchFamily="2" charset="0"/>
               </a:rPr>
               <a:t>MSRb</a:t>
             </a:r>
             <a:r>
               <a:rPr lang="en-US" b="1" i="0" dirty="0">
                 <a:effectLst/>
-                <a:latin typeface="Roboto" panose="020F0502020204030204" pitchFamily="2" charset="0"/>
               </a:rPr>
               <a:t>)</a:t>
             </a:r>
@@ -22016,6 +22001,15 @@
 </file>
 
 <file path=customXml/item1.xml><?xml version="1.0" encoding="utf-8"?>
+<?mso-contentType ?>
+<FormTemplates xmlns="http://schemas.microsoft.com/sharepoint/v3/contenttype/forms">
+  <Display>DocumentLibraryForm</Display>
+  <Edit>DocumentLibraryForm</Edit>
+  <New>DocumentLibraryForm</New>
+</FormTemplates>
+</file>
+
+<file path=customXml/item2.xml><?xml version="1.0" encoding="utf-8"?>
 <p:properties xmlns:p="http://schemas.microsoft.com/office/2006/metadata/properties" xmlns:xsi="http://www.w3.org/2001/XMLSchema-instance" xmlns:pc="http://schemas.microsoft.com/office/infopath/2007/PartnerControls">
   <documentManagement>
     <_ip_UnifiedCompliancePolicyUIAction xmlns="http://schemas.microsoft.com/sharepoint/v3" xsi:nil="true"/>
@@ -22035,7 +22029,7 @@
 </p:properties>
 </file>
 
-<file path=customXml/item2.xml><?xml version="1.0" encoding="utf-8"?>
+<file path=customXml/item3.xml><?xml version="1.0" encoding="utf-8"?>
 <ct:contentTypeSchema xmlns:ct="http://schemas.microsoft.com/office/2006/metadata/contentType" xmlns:ma="http://schemas.microsoft.com/office/2006/metadata/properties/metaAttributes" ct:_="" ma:_="" ma:contentTypeName="Document" ma:contentTypeID="0x01010079F111ED35F8CC479449609E8A0923A6" ma:contentTypeVersion="28" ma:contentTypeDescription="Create a new document." ma:contentTypeScope="" ma:versionID="60f5a4f2d2b0abadcf532d48ebf9cb71">
   <xsd:schema xmlns:xsd="http://www.w3.org/2001/XMLSchema" xmlns:xs="http://www.w3.org/2001/XMLSchema" xmlns:p="http://schemas.microsoft.com/office/2006/metadata/properties" xmlns:ns1="http://schemas.microsoft.com/sharepoint/v3" xmlns:ns2="71af3243-3dd4-4a8d-8c0d-dd76da1f02a5" xmlns:ns3="16c05727-aa75-4e4a-9b5f-8a80a1165891" xmlns:ns4="230e9df3-be65-4c73-a93b-d1236ebd677e" targetNamespace="http://schemas.microsoft.com/office/2006/metadata/properties" ma:root="true" ma:fieldsID="7dd78129e6a1811f84807ad11c651531" ns1:_="" ns2:_="" ns3:_="" ns4:_="">
     <xsd:import namespace="http://schemas.microsoft.com/sharepoint/v3"/>
@@ -22347,16 +22341,15 @@
 </ct:contentTypeSchema>
 </file>
 
-<file path=customXml/item3.xml><?xml version="1.0" encoding="utf-8"?>
-<?mso-contentType ?>
-<FormTemplates xmlns="http://schemas.microsoft.com/sharepoint/v3/contenttype/forms">
-  <Display>DocumentLibraryForm</Display>
-  <Edit>DocumentLibraryForm</Edit>
-  <New>DocumentLibraryForm</New>
-</FormTemplates>
+<file path=customXml/itemProps1.xml><?xml version="1.0" encoding="utf-8"?>
+<ds:datastoreItem xmlns:ds="http://schemas.openxmlformats.org/officeDocument/2006/customXml" ds:itemID="{16DBB56F-4362-4386-A1A1-3DF898896616}">
+  <ds:schemaRefs>
+    <ds:schemaRef ds:uri="http://schemas.microsoft.com/sharepoint/v3/contenttype/forms"/>
+  </ds:schemaRefs>
+</ds:datastoreItem>
 </file>
 
-<file path=customXml/itemProps1.xml><?xml version="1.0" encoding="utf-8"?>
+<file path=customXml/itemProps2.xml><?xml version="1.0" encoding="utf-8"?>
 <ds:datastoreItem xmlns:ds="http://schemas.openxmlformats.org/officeDocument/2006/customXml" ds:itemID="{BA719FA4-954C-4FA8-82CB-206659C3B826}">
   <ds:schemaRefs>
     <ds:schemaRef ds:uri="http://schemas.microsoft.com/office/2006/metadata/properties"/>
@@ -22368,7 +22361,7 @@
 </ds:datastoreItem>
 </file>
 
-<file path=customXml/itemProps2.xml><?xml version="1.0" encoding="utf-8"?>
+<file path=customXml/itemProps3.xml><?xml version="1.0" encoding="utf-8"?>
 <ds:datastoreItem xmlns:ds="http://schemas.openxmlformats.org/officeDocument/2006/customXml" ds:itemID="{04948363-B267-4BAC-8655-100FBEC280C1}">
   <ds:schemaRefs>
     <ds:schemaRef ds:uri="http://schemas.microsoft.com/office/2006/metadata/contentType"/>
@@ -22389,14 +22382,6 @@
 </ds:datastoreItem>
 </file>
 
-<file path=customXml/itemProps3.xml><?xml version="1.0" encoding="utf-8"?>
-<ds:datastoreItem xmlns:ds="http://schemas.openxmlformats.org/officeDocument/2006/customXml" ds:itemID="{16DBB56F-4362-4386-A1A1-3DF898896616}">
-  <ds:schemaRefs>
-    <ds:schemaRef ds:uri="http://schemas.microsoft.com/sharepoint/v3/contenttype/forms"/>
-  </ds:schemaRefs>
-</ds:datastoreItem>
-</file>
-
 <file path=docMetadata/LabelInfo.xml><?xml version="1.0" encoding="utf-8"?>
 <clbl:labelList xmlns:clbl="http://schemas.microsoft.com/office/2020/mipLabelMetadata"/>
 </file>
--- a/others/final-presentation.pptx
+++ b/others/final-presentation.pptx
@@ -1,6 +1,6 @@
 
 <file path=ppt/presentation.xml><?xml version="1.0" encoding="utf-8"?>
-<p:presentation xmlns:a="http://schemas.openxmlformats.org/drawingml/2006/main" xmlns:r="http://schemas.openxmlformats.org/officeDocument/2006/relationships" xmlns:p="http://schemas.openxmlformats.org/presentationml/2006/main" saveSubsetFonts="1" autoCompressPictures="0">
+<p:presentation xmlns:a="http://schemas.openxmlformats.org/drawingml/2006/main" xmlns:r="http://schemas.openxmlformats.org/officeDocument/2006/relationships" xmlns:p="http://schemas.openxmlformats.org/presentationml/2006/main" showSpecialPlsOnTitleSld="0" saveSubsetFonts="1" autoCompressPictures="0">
   <p:sldMasterIdLst>
     <p:sldMasterId id="2147483650" r:id="rId4"/>
   </p:sldMasterIdLst>
@@ -17026,7 +17026,7 @@
     <p:sldLayoutId id="2147483658" r:id="rId16"/>
     <p:sldLayoutId id="2147483659" r:id="rId17"/>
   </p:sldLayoutIdLst>
-  <p:hf hdr="0" ftr="0" dt="0"/>
+  <p:hf hdr="0" dt="0"/>
   <p:txStyles>
     <p:titleStyle>
       <a:lvl1pPr algn="ctr" defTabSz="914400" rtl="0" eaLnBrk="1" latinLnBrk="0" hangingPunct="1">
@@ -17404,8 +17404,8 @@
         </p:nvSpPr>
         <p:spPr>
           <a:xfrm>
-            <a:off x="7732395" y="4010710"/>
-            <a:ext cx="4408169" cy="1596594"/>
+            <a:off x="7783831" y="3473660"/>
+            <a:ext cx="4408169" cy="1785103"/>
           </a:xfrm>
         </p:spPr>
         <p:txBody>
@@ -17416,35 +17416,16 @@
           <a:p>
             <a:pPr algn="r"/>
             <a:r>
-              <a:rPr lang="en-US" sz="1800" b="1" i="0" u="sng" dirty="0">
+              <a:rPr lang="en-US" sz="3200" b="1" dirty="0">
                 <a:solidFill>
                   <a:schemeClr val="tx1"/>
                 </a:solidFill>
-                <a:effectLst/>
-                <a:ea typeface="Roboto" panose="02000000000000000000" pitchFamily="2" charset="0"/>
-                <a:cs typeface="Roboto" panose="02000000000000000000" pitchFamily="2" charset="0"/>
               </a:rPr>
-              <a:t>Presented </a:t>
-            </a:r>
-            <a:r>
-              <a:rPr lang="en-US" sz="1800" b="1" u="sng" dirty="0">
-                <a:solidFill>
-                  <a:schemeClr val="tx1"/>
-                </a:solidFill>
-                <a:ea typeface="Roboto" panose="02000000000000000000" pitchFamily="2" charset="0"/>
-                <a:cs typeface="Roboto" panose="02000000000000000000" pitchFamily="2" charset="0"/>
-              </a:rPr>
-              <a:t>by:</a:t>
-            </a:r>
-            <a:br>
-              <a:rPr lang="en-US" sz="1800" b="1" u="sng" dirty="0">
-                <a:solidFill>
-                  <a:schemeClr val="tx1"/>
-                </a:solidFill>
-                <a:ea typeface="Roboto" panose="02000000000000000000" pitchFamily="2" charset="0"/>
-                <a:cs typeface="Roboto" panose="02000000000000000000" pitchFamily="2" charset="0"/>
-              </a:rPr>
-            </a:br>
+              <a:t>Group 01</a:t>
+            </a:r>
+          </a:p>
+          <a:p>
+            <a:pPr algn="r"/>
             <a:r>
               <a:rPr lang="en-US" sz="1800" b="1" dirty="0">
                 <a:solidFill>
@@ -17633,7 +17614,7 @@
         </p:nvSpPr>
         <p:spPr>
           <a:xfrm>
-            <a:off x="8139528" y="1671288"/>
+            <a:off x="8225792" y="1426166"/>
             <a:ext cx="3886200" cy="1785104"/>
           </a:xfrm>
           <a:prstGeom prst="rect">
@@ -17754,6 +17735,18 @@
   <p:clrMapOvr>
     <a:masterClrMapping/>
   </p:clrMapOvr>
+  <mc:AlternateContent xmlns:mc="http://schemas.openxmlformats.org/markup-compatibility/2006">
+    <mc:Choice xmlns:p159="http://schemas.microsoft.com/office/powerpoint/2015/09/main" Requires="p159">
+      <p:transition xmlns:p14="http://schemas.microsoft.com/office/powerpoint/2010/main" spd="slow" p14:dur="2000">
+        <p159:morph option="byObject"/>
+      </p:transition>
+    </mc:Choice>
+    <mc:Fallback>
+      <p:transition spd="slow">
+        <p:fade/>
+      </p:transition>
+    </mc:Fallback>
+  </mc:AlternateContent>
 </p:sld>
 </file>
 
@@ -17807,41 +17800,6 @@
               </a:rPr>
               <a:t>OUTPUT OF TIC TAC TOE</a:t>
             </a:r>
-          </a:p>
-        </p:txBody>
-      </p:sp>
-      <p:sp>
-        <p:nvSpPr>
-          <p:cNvPr id="3" name="Slide Number Placeholder 2">
-            <a:extLst>
-              <a:ext uri="{FF2B5EF4-FFF2-40B4-BE49-F238E27FC236}">
-                <a16:creationId xmlns:a16="http://schemas.microsoft.com/office/drawing/2014/main" id="{1878B5B8-B9D0-640E-675A-9A74D29F1C0C}"/>
-              </a:ext>
-            </a:extLst>
-          </p:cNvPr>
-          <p:cNvSpPr>
-            <a:spLocks noGrp="1"/>
-          </p:cNvSpPr>
-          <p:nvPr>
-            <p:ph type="sldNum" sz="quarter" idx="4294967295"/>
-          </p:nvPr>
-        </p:nvSpPr>
-        <p:spPr>
-          <a:xfrm>
-            <a:off x="11204575" y="457200"/>
-            <a:ext cx="987425" cy="471488"/>
-          </a:xfrm>
-        </p:spPr>
-        <p:txBody>
-          <a:bodyPr/>
-          <a:lstStyle/>
-          <a:p>
-            <a:fld id="{48F63A3B-78C7-47BE-AE5E-E10140E04643}" type="slidenum">
-              <a:rPr lang="en-US" smtClean="0"/>
-              <a:pPr/>
-              <a:t>10</a:t>
-            </a:fld>
-            <a:endParaRPr lang="en-US" dirty="0"/>
           </a:p>
         </p:txBody>
       </p:sp>
@@ -18163,36 +18121,6 @@
               </a:rPr>
               <a:t>Performance </a:t>
             </a:r>
-          </a:p>
-        </p:txBody>
-      </p:sp>
-      <p:sp>
-        <p:nvSpPr>
-          <p:cNvPr id="3" name="Slide Number Placeholder 2">
-            <a:extLst>
-              <a:ext uri="{FF2B5EF4-FFF2-40B4-BE49-F238E27FC236}">
-                <a16:creationId xmlns:a16="http://schemas.microsoft.com/office/drawing/2014/main" id="{0BEA007E-86FF-EBA4-7AEE-3DB8E1EB9B7A}"/>
-              </a:ext>
-            </a:extLst>
-          </p:cNvPr>
-          <p:cNvSpPr>
-            <a:spLocks noGrp="1"/>
-          </p:cNvSpPr>
-          <p:nvPr>
-            <p:ph type="sldNum" sz="quarter" idx="10"/>
-          </p:nvPr>
-        </p:nvSpPr>
-        <p:spPr/>
-        <p:txBody>
-          <a:bodyPr/>
-          <a:lstStyle/>
-          <a:p>
-            <a:fld id="{48F63A3B-78C7-47BE-AE5E-E10140E04643}" type="slidenum">
-              <a:rPr lang="en-US" smtClean="0"/>
-              <a:pPr/>
-              <a:t>12</a:t>
-            </a:fld>
-            <a:endParaRPr lang="en-US" dirty="0"/>
           </a:p>
         </p:txBody>
       </p:sp>
@@ -18752,6 +18680,36 @@
           </a:graphicData>
         </a:graphic>
       </p:graphicFrame>
+      <p:sp>
+        <p:nvSpPr>
+          <p:cNvPr id="3" name="Slide Number Placeholder 2">
+            <a:extLst>
+              <a:ext uri="{FF2B5EF4-FFF2-40B4-BE49-F238E27FC236}">
+                <a16:creationId xmlns:a16="http://schemas.microsoft.com/office/drawing/2014/main" id="{F26F873D-3E71-2EF1-8B00-FF05F047DBD8}"/>
+              </a:ext>
+            </a:extLst>
+          </p:cNvPr>
+          <p:cNvSpPr>
+            <a:spLocks noGrp="1"/>
+          </p:cNvSpPr>
+          <p:nvPr>
+            <p:ph type="sldNum" sz="quarter" idx="10"/>
+          </p:nvPr>
+        </p:nvSpPr>
+        <p:spPr/>
+        <p:txBody>
+          <a:bodyPr/>
+          <a:lstStyle/>
+          <a:p>
+            <a:fld id="{48F63A3B-78C7-47BE-AE5E-E10140E04643}" type="slidenum">
+              <a:rPr lang="en-US" smtClean="0"/>
+              <a:pPr/>
+              <a:t>12</a:t>
+            </a:fld>
+            <a:endParaRPr lang="en-US" dirty="0"/>
+          </a:p>
+        </p:txBody>
+      </p:sp>
     </p:spTree>
     <p:extLst>
       <p:ext uri="{BB962C8B-B14F-4D97-AF65-F5344CB8AC3E}">
@@ -18915,6 +18873,36 @@
               <a:rPr lang="en-US" dirty="0"/>
               <a:t>Modular code made testing, debugging, and extending the AI easy</a:t>
             </a:r>
+          </a:p>
+        </p:txBody>
+      </p:sp>
+      <p:sp>
+        <p:nvSpPr>
+          <p:cNvPr id="3" name="Slide Number Placeholder 2">
+            <a:extLst>
+              <a:ext uri="{FF2B5EF4-FFF2-40B4-BE49-F238E27FC236}">
+                <a16:creationId xmlns:a16="http://schemas.microsoft.com/office/drawing/2014/main" id="{12B49E93-057A-7ED9-AEE7-AE49B62AD769}"/>
+              </a:ext>
+            </a:extLst>
+          </p:cNvPr>
+          <p:cNvSpPr>
+            <a:spLocks noGrp="1"/>
+          </p:cNvSpPr>
+          <p:nvPr>
+            <p:ph type="sldNum" sz="quarter" idx="10"/>
+          </p:nvPr>
+        </p:nvSpPr>
+        <p:spPr/>
+        <p:txBody>
+          <a:bodyPr/>
+          <a:lstStyle/>
+          <a:p>
+            <a:fld id="{48F63A3B-78C7-47BE-AE5E-E10140E04643}" type="slidenum">
+              <a:rPr lang="en-US" smtClean="0"/>
+              <a:pPr/>
+              <a:t>13</a:t>
+            </a:fld>
+            <a:endParaRPr lang="en-US" dirty="0"/>
           </a:p>
         </p:txBody>
       </p:sp>
@@ -18985,36 +18973,6 @@
       </p:sp>
       <p:sp>
         <p:nvSpPr>
-          <p:cNvPr id="3" name="Slide Number Placeholder 2">
-            <a:extLst>
-              <a:ext uri="{FF2B5EF4-FFF2-40B4-BE49-F238E27FC236}">
-                <a16:creationId xmlns:a16="http://schemas.microsoft.com/office/drawing/2014/main" id="{02274D1A-EF01-6724-C896-2712483B455E}"/>
-              </a:ext>
-            </a:extLst>
-          </p:cNvPr>
-          <p:cNvSpPr>
-            <a:spLocks noGrp="1"/>
-          </p:cNvSpPr>
-          <p:nvPr>
-            <p:ph type="sldNum" sz="quarter" idx="10"/>
-          </p:nvPr>
-        </p:nvSpPr>
-        <p:spPr/>
-        <p:txBody>
-          <a:bodyPr/>
-          <a:lstStyle/>
-          <a:p>
-            <a:fld id="{48F63A3B-78C7-47BE-AE5E-E10140E04643}" type="slidenum">
-              <a:rPr lang="en-US" smtClean="0"/>
-              <a:pPr/>
-              <a:t>14</a:t>
-            </a:fld>
-            <a:endParaRPr lang="en-US" dirty="0"/>
-          </a:p>
-        </p:txBody>
-      </p:sp>
-      <p:sp>
-        <p:nvSpPr>
           <p:cNvPr id="4" name="Content Placeholder 3">
             <a:extLst>
               <a:ext uri="{FF2B5EF4-FFF2-40B4-BE49-F238E27FC236}">
@@ -19087,6 +19045,36 @@
               <a:rPr lang="en-US" dirty="0"/>
               <a:t>Limited challenge – Becomes predictable for experienced players</a:t>
             </a:r>
+          </a:p>
+        </p:txBody>
+      </p:sp>
+      <p:sp>
+        <p:nvSpPr>
+          <p:cNvPr id="3" name="Slide Number Placeholder 2">
+            <a:extLst>
+              <a:ext uri="{FF2B5EF4-FFF2-40B4-BE49-F238E27FC236}">
+                <a16:creationId xmlns:a16="http://schemas.microsoft.com/office/drawing/2014/main" id="{152094ED-8A92-388F-F790-372FE138C308}"/>
+              </a:ext>
+            </a:extLst>
+          </p:cNvPr>
+          <p:cNvSpPr>
+            <a:spLocks noGrp="1"/>
+          </p:cNvSpPr>
+          <p:nvPr>
+            <p:ph type="sldNum" sz="quarter" idx="10"/>
+          </p:nvPr>
+        </p:nvSpPr>
+        <p:spPr/>
+        <p:txBody>
+          <a:bodyPr/>
+          <a:lstStyle/>
+          <a:p>
+            <a:fld id="{48F63A3B-78C7-47BE-AE5E-E10140E04643}" type="slidenum">
+              <a:rPr lang="en-US" smtClean="0"/>
+              <a:pPr/>
+              <a:t>14</a:t>
+            </a:fld>
+            <a:endParaRPr lang="en-US" dirty="0"/>
           </a:p>
         </p:txBody>
       </p:sp>
@@ -19157,36 +19145,6 @@
       </p:sp>
       <p:sp>
         <p:nvSpPr>
-          <p:cNvPr id="3" name="Slide Number Placeholder 2">
-            <a:extLst>
-              <a:ext uri="{FF2B5EF4-FFF2-40B4-BE49-F238E27FC236}">
-                <a16:creationId xmlns:a16="http://schemas.microsoft.com/office/drawing/2014/main" id="{45C91DD9-0F3C-5B56-DB5D-5660EF928709}"/>
-              </a:ext>
-            </a:extLst>
-          </p:cNvPr>
-          <p:cNvSpPr>
-            <a:spLocks noGrp="1"/>
-          </p:cNvSpPr>
-          <p:nvPr>
-            <p:ph type="sldNum" sz="quarter" idx="10"/>
-          </p:nvPr>
-        </p:nvSpPr>
-        <p:spPr/>
-        <p:txBody>
-          <a:bodyPr/>
-          <a:lstStyle/>
-          <a:p>
-            <a:fld id="{48F63A3B-78C7-47BE-AE5E-E10140E04643}" type="slidenum">
-              <a:rPr lang="en-US" smtClean="0"/>
-              <a:pPr/>
-              <a:t>15</a:t>
-            </a:fld>
-            <a:endParaRPr lang="en-US" dirty="0"/>
-          </a:p>
-        </p:txBody>
-      </p:sp>
-      <p:sp>
-        <p:nvSpPr>
           <p:cNvPr id="4" name="Content Placeholder 3">
             <a:extLst>
               <a:ext uri="{FF2B5EF4-FFF2-40B4-BE49-F238E27FC236}">
@@ -19332,6 +19290,36 @@
               <a:rPr lang="en-US" sz="2200" dirty="0"/>
               <a:t> to identify and fix bottlenecks</a:t>
             </a:r>
+          </a:p>
+        </p:txBody>
+      </p:sp>
+      <p:sp>
+        <p:nvSpPr>
+          <p:cNvPr id="3" name="Slide Number Placeholder 2">
+            <a:extLst>
+              <a:ext uri="{FF2B5EF4-FFF2-40B4-BE49-F238E27FC236}">
+                <a16:creationId xmlns:a16="http://schemas.microsoft.com/office/drawing/2014/main" id="{851A4B69-50F4-0435-465D-B89D035E4D2B}"/>
+              </a:ext>
+            </a:extLst>
+          </p:cNvPr>
+          <p:cNvSpPr>
+            <a:spLocks noGrp="1"/>
+          </p:cNvSpPr>
+          <p:nvPr>
+            <p:ph type="sldNum" sz="quarter" idx="10"/>
+          </p:nvPr>
+        </p:nvSpPr>
+        <p:spPr/>
+        <p:txBody>
+          <a:bodyPr/>
+          <a:lstStyle/>
+          <a:p>
+            <a:fld id="{48F63A3B-78C7-47BE-AE5E-E10140E04643}" type="slidenum">
+              <a:rPr lang="en-US" smtClean="0"/>
+              <a:pPr/>
+              <a:t>15</a:t>
+            </a:fld>
+            <a:endParaRPr lang="en-US" dirty="0"/>
           </a:p>
         </p:txBody>
       </p:sp>
@@ -19660,7 +19648,7 @@
           <p:cNvPr id="4" name="Slide Number Placeholder 3">
             <a:extLst>
               <a:ext uri="{FF2B5EF4-FFF2-40B4-BE49-F238E27FC236}">
-                <a16:creationId xmlns:a16="http://schemas.microsoft.com/office/drawing/2014/main" id="{18D5CFA2-4E67-F157-5FFD-A246307D41F7}"/>
+                <a16:creationId xmlns:a16="http://schemas.microsoft.com/office/drawing/2014/main" id="{AC44FC55-88E8-BFAE-FA7C-1F0111010DED}"/>
               </a:ext>
             </a:extLst>
           </p:cNvPr>
@@ -19671,12 +19659,7 @@
             <p:ph type="sldNum" sz="quarter" idx="10"/>
           </p:nvPr>
         </p:nvSpPr>
-        <p:spPr>
-          <a:xfrm>
-            <a:off x="10358437" y="457199"/>
-            <a:ext cx="1067589" cy="471489"/>
-          </a:xfrm>
-        </p:spPr>
+        <p:spPr/>
         <p:txBody>
           <a:bodyPr/>
           <a:lstStyle/>
@@ -19851,7 +19834,7 @@
           <p:cNvPr id="4" name="Slide Number Placeholder 3">
             <a:extLst>
               <a:ext uri="{FF2B5EF4-FFF2-40B4-BE49-F238E27FC236}">
-                <a16:creationId xmlns:a16="http://schemas.microsoft.com/office/drawing/2014/main" id="{E9C990DA-AF31-A383-B41D-37000DF09FC9}"/>
+                <a16:creationId xmlns:a16="http://schemas.microsoft.com/office/drawing/2014/main" id="{A98B523B-122E-5F20-A03A-D82C59B3418D}"/>
               </a:ext>
             </a:extLst>
           </p:cNvPr>
@@ -20272,6 +20255,36 @@
           </a:p>
         </p:txBody>
       </p:sp>
+      <p:sp>
+        <p:nvSpPr>
+          <p:cNvPr id="3" name="Slide Number Placeholder 2">
+            <a:extLst>
+              <a:ext uri="{FF2B5EF4-FFF2-40B4-BE49-F238E27FC236}">
+                <a16:creationId xmlns:a16="http://schemas.microsoft.com/office/drawing/2014/main" id="{D8A12A9D-00AA-E4B5-65DB-6A4ED57C74C6}"/>
+              </a:ext>
+            </a:extLst>
+          </p:cNvPr>
+          <p:cNvSpPr>
+            <a:spLocks noGrp="1"/>
+          </p:cNvSpPr>
+          <p:nvPr>
+            <p:ph type="sldNum" sz="quarter" idx="10"/>
+          </p:nvPr>
+        </p:nvSpPr>
+        <p:spPr/>
+        <p:txBody>
+          <a:bodyPr/>
+          <a:lstStyle/>
+          <a:p>
+            <a:fld id="{48F63A3B-78C7-47BE-AE5E-E10140E04643}" type="slidenum">
+              <a:rPr lang="en-US" smtClean="0"/>
+              <a:pPr/>
+              <a:t>5</a:t>
+            </a:fld>
+            <a:endParaRPr lang="en-US" dirty="0"/>
+          </a:p>
+        </p:txBody>
+      </p:sp>
     </p:spTree>
     <p:extLst>
       <p:ext uri="{BB962C8B-B14F-4D97-AF65-F5344CB8AC3E}">
@@ -20458,10 +20471,10 @@
       </p:sp>
       <p:sp>
         <p:nvSpPr>
-          <p:cNvPr id="23" name="Slide Number Placeholder 22">
+          <p:cNvPr id="4" name="Slide Number Placeholder 3">
             <a:extLst>
               <a:ext uri="{FF2B5EF4-FFF2-40B4-BE49-F238E27FC236}">
-                <a16:creationId xmlns:a16="http://schemas.microsoft.com/office/drawing/2014/main" id="{94FF72B7-0438-3641-5939-75128934B0DF}"/>
+                <a16:creationId xmlns:a16="http://schemas.microsoft.com/office/drawing/2014/main" id="{992CDB7D-64B6-E798-D3AE-4E1DEB5715CF}"/>
               </a:ext>
             </a:extLst>
           </p:cNvPr>
@@ -20472,12 +20485,7 @@
             <p:ph type="sldNum" sz="quarter" idx="10"/>
           </p:nvPr>
         </p:nvSpPr>
-        <p:spPr>
-          <a:xfrm>
-            <a:off x="10358437" y="457199"/>
-            <a:ext cx="1067589" cy="471489"/>
-          </a:xfrm>
-        </p:spPr>
+        <p:spPr/>
         <p:txBody>
           <a:bodyPr/>
           <a:lstStyle/>
@@ -20564,41 +20572,6 @@
       </p:sp>
       <p:sp>
         <p:nvSpPr>
-          <p:cNvPr id="3" name="Slide Number Placeholder 2">
-            <a:extLst>
-              <a:ext uri="{FF2B5EF4-FFF2-40B4-BE49-F238E27FC236}">
-                <a16:creationId xmlns:a16="http://schemas.microsoft.com/office/drawing/2014/main" id="{370AEC4F-E711-8552-9C34-82C1514A1E37}"/>
-              </a:ext>
-            </a:extLst>
-          </p:cNvPr>
-          <p:cNvSpPr>
-            <a:spLocks noGrp="1"/>
-          </p:cNvSpPr>
-          <p:nvPr>
-            <p:ph type="sldNum" sz="quarter" idx="10"/>
-          </p:nvPr>
-        </p:nvSpPr>
-        <p:spPr>
-          <a:xfrm>
-            <a:off x="10438475" y="457199"/>
-            <a:ext cx="987552" cy="471489"/>
-          </a:xfrm>
-        </p:spPr>
-        <p:txBody>
-          <a:bodyPr/>
-          <a:lstStyle/>
-          <a:p>
-            <a:fld id="{48F63A3B-78C7-47BE-AE5E-E10140E04643}" type="slidenum">
-              <a:rPr lang="en-US" smtClean="0"/>
-              <a:pPr/>
-              <a:t>7</a:t>
-            </a:fld>
-            <a:endParaRPr lang="en-US" dirty="0"/>
-          </a:p>
-        </p:txBody>
-      </p:sp>
-      <p:sp>
-        <p:nvSpPr>
           <p:cNvPr id="4" name="Content Placeholder 3">
             <a:extLst>
               <a:ext uri="{FF2B5EF4-FFF2-40B4-BE49-F238E27FC236}">
@@ -20715,6 +20688,36 @@
               <a:rPr lang="en-US" sz="2200" dirty="0"/>
               <a:t>Reduces time per move from ~90ms to ~30ms.</a:t>
             </a:r>
+          </a:p>
+        </p:txBody>
+      </p:sp>
+      <p:sp>
+        <p:nvSpPr>
+          <p:cNvPr id="3" name="Slide Number Placeholder 2">
+            <a:extLst>
+              <a:ext uri="{FF2B5EF4-FFF2-40B4-BE49-F238E27FC236}">
+                <a16:creationId xmlns:a16="http://schemas.microsoft.com/office/drawing/2014/main" id="{01BAF610-ADE0-314E-045A-160233579E91}"/>
+              </a:ext>
+            </a:extLst>
+          </p:cNvPr>
+          <p:cNvSpPr>
+            <a:spLocks noGrp="1"/>
+          </p:cNvSpPr>
+          <p:nvPr>
+            <p:ph type="sldNum" sz="quarter" idx="10"/>
+          </p:nvPr>
+        </p:nvSpPr>
+        <p:spPr/>
+        <p:txBody>
+          <a:bodyPr/>
+          <a:lstStyle/>
+          <a:p>
+            <a:fld id="{48F63A3B-78C7-47BE-AE5E-E10140E04643}" type="slidenum">
+              <a:rPr lang="en-US" smtClean="0"/>
+              <a:pPr/>
+              <a:t>7</a:t>
+            </a:fld>
+            <a:endParaRPr lang="en-US" dirty="0"/>
           </a:p>
         </p:txBody>
       </p:sp>
@@ -20790,36 +20793,6 @@
       </p:sp>
       <p:sp>
         <p:nvSpPr>
-          <p:cNvPr id="3" name="Slide Number Placeholder 2">
-            <a:extLst>
-              <a:ext uri="{FF2B5EF4-FFF2-40B4-BE49-F238E27FC236}">
-                <a16:creationId xmlns:a16="http://schemas.microsoft.com/office/drawing/2014/main" id="{FF45D60B-C8FE-961C-31CE-3BBF7A69522A}"/>
-              </a:ext>
-            </a:extLst>
-          </p:cNvPr>
-          <p:cNvSpPr>
-            <a:spLocks noGrp="1"/>
-          </p:cNvSpPr>
-          <p:nvPr>
-            <p:ph type="sldNum" sz="quarter" idx="10"/>
-          </p:nvPr>
-        </p:nvSpPr>
-        <p:spPr/>
-        <p:txBody>
-          <a:bodyPr/>
-          <a:lstStyle/>
-          <a:p>
-            <a:fld id="{48F63A3B-78C7-47BE-AE5E-E10140E04643}" type="slidenum">
-              <a:rPr lang="en-US" smtClean="0"/>
-              <a:pPr/>
-              <a:t>8</a:t>
-            </a:fld>
-            <a:endParaRPr lang="en-US" dirty="0"/>
-          </a:p>
-        </p:txBody>
-      </p:sp>
-      <p:sp>
-        <p:nvSpPr>
           <p:cNvPr id="4" name="Content Placeholder 3">
             <a:extLst>
               <a:ext uri="{FF2B5EF4-FFF2-40B4-BE49-F238E27FC236}">
@@ -20936,6 +20909,36 @@
               <a:rPr lang="en-US" dirty="0"/>
               <a:t>Makes AI faster and adaptable when full-depth search isn't feasible.</a:t>
             </a:r>
+          </a:p>
+        </p:txBody>
+      </p:sp>
+      <p:sp>
+        <p:nvSpPr>
+          <p:cNvPr id="3" name="Slide Number Placeholder 2">
+            <a:extLst>
+              <a:ext uri="{FF2B5EF4-FFF2-40B4-BE49-F238E27FC236}">
+                <a16:creationId xmlns:a16="http://schemas.microsoft.com/office/drawing/2014/main" id="{D458914A-AE36-6925-CA09-5186206C0721}"/>
+              </a:ext>
+            </a:extLst>
+          </p:cNvPr>
+          <p:cNvSpPr>
+            <a:spLocks noGrp="1"/>
+          </p:cNvSpPr>
+          <p:nvPr>
+            <p:ph type="sldNum" sz="quarter" idx="10"/>
+          </p:nvPr>
+        </p:nvSpPr>
+        <p:spPr/>
+        <p:txBody>
+          <a:bodyPr/>
+          <a:lstStyle/>
+          <a:p>
+            <a:fld id="{48F63A3B-78C7-47BE-AE5E-E10140E04643}" type="slidenum">
+              <a:rPr lang="en-US" smtClean="0"/>
+              <a:pPr/>
+              <a:t>8</a:t>
+            </a:fld>
+            <a:endParaRPr lang="en-US" dirty="0"/>
           </a:p>
         </p:txBody>
       </p:sp>
@@ -21006,36 +21009,6 @@
       </p:sp>
       <p:sp>
         <p:nvSpPr>
-          <p:cNvPr id="3" name="Slide Number Placeholder 2">
-            <a:extLst>
-              <a:ext uri="{FF2B5EF4-FFF2-40B4-BE49-F238E27FC236}">
-                <a16:creationId xmlns:a16="http://schemas.microsoft.com/office/drawing/2014/main" id="{75B32C6C-2F6E-4752-944D-A9C8F09403F8}"/>
-              </a:ext>
-            </a:extLst>
-          </p:cNvPr>
-          <p:cNvSpPr>
-            <a:spLocks noGrp="1"/>
-          </p:cNvSpPr>
-          <p:nvPr>
-            <p:ph type="sldNum" sz="quarter" idx="10"/>
-          </p:nvPr>
-        </p:nvSpPr>
-        <p:spPr/>
-        <p:txBody>
-          <a:bodyPr/>
-          <a:lstStyle/>
-          <a:p>
-            <a:fld id="{48F63A3B-78C7-47BE-AE5E-E10140E04643}" type="slidenum">
-              <a:rPr lang="en-US" smtClean="0"/>
-              <a:pPr/>
-              <a:t>9</a:t>
-            </a:fld>
-            <a:endParaRPr lang="en-US" dirty="0"/>
-          </a:p>
-        </p:txBody>
-      </p:sp>
-      <p:sp>
-        <p:nvSpPr>
           <p:cNvPr id="4" name="Content Placeholder 3">
             <a:extLst>
               <a:ext uri="{FF2B5EF4-FFF2-40B4-BE49-F238E27FC236}">
@@ -21193,6 +21166,36 @@
               <a:rPr lang="en-US" dirty="0"/>
               <a:t>Handles invalid inputs gracefully</a:t>
             </a:r>
+          </a:p>
+        </p:txBody>
+      </p:sp>
+      <p:sp>
+        <p:nvSpPr>
+          <p:cNvPr id="3" name="Slide Number Placeholder 2">
+            <a:extLst>
+              <a:ext uri="{FF2B5EF4-FFF2-40B4-BE49-F238E27FC236}">
+                <a16:creationId xmlns:a16="http://schemas.microsoft.com/office/drawing/2014/main" id="{75CE1120-6C5B-C104-F103-6C25145F497A}"/>
+              </a:ext>
+            </a:extLst>
+          </p:cNvPr>
+          <p:cNvSpPr>
+            <a:spLocks noGrp="1"/>
+          </p:cNvSpPr>
+          <p:nvPr>
+            <p:ph type="sldNum" sz="quarter" idx="10"/>
+          </p:nvPr>
+        </p:nvSpPr>
+        <p:spPr/>
+        <p:txBody>
+          <a:bodyPr/>
+          <a:lstStyle/>
+          <a:p>
+            <a:fld id="{48F63A3B-78C7-47BE-AE5E-E10140E04643}" type="slidenum">
+              <a:rPr lang="en-US" smtClean="0"/>
+              <a:pPr/>
+              <a:t>9</a:t>
+            </a:fld>
+            <a:endParaRPr lang="en-US" dirty="0"/>
           </a:p>
         </p:txBody>
       </p:sp>
